--- a/Ενδιάμεση Παρουσίαση.pptx
+++ b/Ενδιάμεση Παρουσίαση.pptx
@@ -116,14 +116,6 @@
 </p:presentation>
 </file>
 
-<file path=ppt/revisionInfo.xml><?xml version="1.0" encoding="utf-8"?>
-<p1510:revInfo xmlns:a="http://schemas.openxmlformats.org/drawingml/2006/main" xmlns:r="http://schemas.openxmlformats.org/officeDocument/2006/relationships" xmlns:p1510="http://schemas.microsoft.com/office/powerpoint/2015/10/main">
-  <p1510:revLst>
-    <p1510:client id="{29A4A553-4AC2-4111-96D1-B15E74D32C6A}" v="19" dt="2023-04-02T17:48:03.677"/>
-  </p1510:revLst>
-</p1510:revInfo>
-</file>
-
 <file path=ppt/changesInfos/changesInfo1.xml><?xml version="1.0" encoding="utf-8"?>
 <pc:chgInfo xmlns:a="http://schemas.openxmlformats.org/drawingml/2006/main" xmlns:r="http://schemas.openxmlformats.org/officeDocument/2006/relationships" xmlns:ac="http://schemas.microsoft.com/office/drawing/2013/main/command" xmlns:pc="http://schemas.microsoft.com/office/powerpoint/2013/main/command">
   <pc:docChgLst>
@@ -536,7 +528,7 @@
   <pc:docChgLst>
     <pc:chgData name="ΚΑΤΣΑΝΔΡΗΣ ΧΡΗΣΤΟΣ" userId="bd519fde-7dc2-489e-8070-b8c37c46a7ae" providerId="ADAL" clId="{29A4A553-4AC2-4111-96D1-B15E74D32C6A}"/>
     <pc:docChg chg="undo custSel addSld delSld modSld">
-      <pc:chgData name="ΚΑΤΣΑΝΔΡΗΣ ΧΡΗΣΤΟΣ" userId="bd519fde-7dc2-489e-8070-b8c37c46a7ae" providerId="ADAL" clId="{29A4A553-4AC2-4111-96D1-B15E74D32C6A}" dt="2023-04-02T17:52:28.763" v="1886" actId="1076"/>
+      <pc:chgData name="ΚΑΤΣΑΝΔΡΗΣ ΧΡΗΣΤΟΣ" userId="bd519fde-7dc2-489e-8070-b8c37c46a7ae" providerId="ADAL" clId="{29A4A553-4AC2-4111-96D1-B15E74D32C6A}" dt="2023-04-06T14:39:53.679" v="1903" actId="1076"/>
       <pc:docMkLst>
         <pc:docMk/>
       </pc:docMkLst>
@@ -1055,7 +1047,7 @@
         </pc:spChg>
       </pc:sldChg>
       <pc:sldChg chg="addSp delSp modSp new mod modClrScheme chgLayout">
-        <pc:chgData name="ΚΑΤΣΑΝΔΡΗΣ ΧΡΗΣΤΟΣ" userId="bd519fde-7dc2-489e-8070-b8c37c46a7ae" providerId="ADAL" clId="{29A4A553-4AC2-4111-96D1-B15E74D32C6A}" dt="2023-04-02T17:49:39.660" v="1830" actId="1076"/>
+        <pc:chgData name="ΚΑΤΣΑΝΔΡΗΣ ΧΡΗΣΤΟΣ" userId="bd519fde-7dc2-489e-8070-b8c37c46a7ae" providerId="ADAL" clId="{29A4A553-4AC2-4111-96D1-B15E74D32C6A}" dt="2023-04-06T14:39:53.679" v="1903" actId="1076"/>
         <pc:sldMkLst>
           <pc:docMk/>
           <pc:sldMk cId="2802757109" sldId="262"/>
@@ -1076,6 +1068,14 @@
             <ac:spMk id="3" creationId="{4C4DC6A4-C635-2F3A-D03C-B0356BD065F8}"/>
           </ac:spMkLst>
         </pc:spChg>
+        <pc:spChg chg="add del mod">
+          <ac:chgData name="ΚΑΤΣΑΝΔΡΗΣ ΧΡΗΣΤΟΣ" userId="bd519fde-7dc2-489e-8070-b8c37c46a7ae" providerId="ADAL" clId="{29A4A553-4AC2-4111-96D1-B15E74D32C6A}" dt="2023-04-06T14:37:50.904" v="1888" actId="22"/>
+          <ac:spMkLst>
+            <pc:docMk/>
+            <pc:sldMk cId="2802757109" sldId="262"/>
+            <ac:spMk id="4" creationId="{074DE484-A776-622A-8584-549C0873A052}"/>
+          </ac:spMkLst>
+        </pc:spChg>
         <pc:spChg chg="del">
           <ac:chgData name="ΚΑΤΣΑΝΔΡΗΣ ΧΡΗΣΤΟΣ" userId="bd519fde-7dc2-489e-8070-b8c37c46a7ae" providerId="ADAL" clId="{29A4A553-4AC2-4111-96D1-B15E74D32C6A}" dt="2023-04-02T17:32:53.516" v="1699" actId="700"/>
           <ac:spMkLst>
@@ -1093,7 +1093,15 @@
           </ac:spMkLst>
         </pc:spChg>
         <pc:picChg chg="add mod ord modCrop">
-          <ac:chgData name="ΚΑΤΣΑΝΔΡΗΣ ΧΡΗΣΤΟΣ" userId="bd519fde-7dc2-489e-8070-b8c37c46a7ae" providerId="ADAL" clId="{29A4A553-4AC2-4111-96D1-B15E74D32C6A}" dt="2023-04-02T17:49:39.660" v="1830" actId="1076"/>
+          <ac:chgData name="ΚΑΤΣΑΝΔΡΗΣ ΧΡΗΣΤΟΣ" userId="bd519fde-7dc2-489e-8070-b8c37c46a7ae" providerId="ADAL" clId="{29A4A553-4AC2-4111-96D1-B15E74D32C6A}" dt="2023-04-06T14:39:53.679" v="1903" actId="1076"/>
+          <ac:picMkLst>
+            <pc:docMk/>
+            <pc:sldMk cId="2802757109" sldId="262"/>
+            <ac:picMk id="6" creationId="{6E8EE415-2208-165C-F164-49701E8E5AF7}"/>
+          </ac:picMkLst>
+        </pc:picChg>
+        <pc:picChg chg="add del mod ord modCrop">
+          <ac:chgData name="ΚΑΤΣΑΝΔΡΗΣ ΧΡΗΣΤΟΣ" userId="bd519fde-7dc2-489e-8070-b8c37c46a7ae" providerId="ADAL" clId="{29A4A553-4AC2-4111-96D1-B15E74D32C6A}" dt="2023-04-06T14:37:47.081" v="1887" actId="478"/>
           <ac:picMkLst>
             <pc:docMk/>
             <pc:sldMk cId="2802757109" sldId="262"/>
@@ -1914,7 +1922,7 @@
           <a:p>
             <a:fld id="{4F5C001D-F85D-4D87-9DC7-FF3F2D4FED3F}" type="datetimeFigureOut">
               <a:rPr lang="en-US" smtClean="0"/>
-              <a:t>4/2/2023</a:t>
+              <a:t>4/6/2023</a:t>
             </a:fld>
             <a:endParaRPr lang="en-US"/>
           </a:p>
@@ -2165,7 +2173,7 @@
           <a:p>
             <a:fld id="{4F5C001D-F85D-4D87-9DC7-FF3F2D4FED3F}" type="datetimeFigureOut">
               <a:rPr lang="en-US" smtClean="0"/>
-              <a:t>4/2/2023</a:t>
+              <a:t>4/6/2023</a:t>
             </a:fld>
             <a:endParaRPr lang="en-US"/>
           </a:p>
@@ -2479,7 +2487,7 @@
           <a:p>
             <a:fld id="{4F5C001D-F85D-4D87-9DC7-FF3F2D4FED3F}" type="datetimeFigureOut">
               <a:rPr lang="en-US" smtClean="0"/>
-              <a:t>4/2/2023</a:t>
+              <a:t>4/6/2023</a:t>
             </a:fld>
             <a:endParaRPr lang="en-US"/>
           </a:p>
@@ -2812,7 +2820,7 @@
           <a:p>
             <a:fld id="{4F5C001D-F85D-4D87-9DC7-FF3F2D4FED3F}" type="datetimeFigureOut">
               <a:rPr lang="en-US" smtClean="0"/>
-              <a:t>4/2/2023</a:t>
+              <a:t>4/6/2023</a:t>
             </a:fld>
             <a:endParaRPr lang="en-US"/>
           </a:p>
@@ -3126,7 +3134,7 @@
           <a:p>
             <a:fld id="{4F5C001D-F85D-4D87-9DC7-FF3F2D4FED3F}" type="datetimeFigureOut">
               <a:rPr lang="en-US" smtClean="0"/>
-              <a:t>4/2/2023</a:t>
+              <a:t>4/6/2023</a:t>
             </a:fld>
             <a:endParaRPr lang="en-US"/>
           </a:p>
@@ -3519,7 +3527,7 @@
           <a:p>
             <a:fld id="{4F5C001D-F85D-4D87-9DC7-FF3F2D4FED3F}" type="datetimeFigureOut">
               <a:rPr lang="en-US" smtClean="0"/>
-              <a:t>4/2/2023</a:t>
+              <a:t>4/6/2023</a:t>
             </a:fld>
             <a:endParaRPr lang="en-US"/>
           </a:p>
@@ -3689,7 +3697,7 @@
           <a:p>
             <a:fld id="{4F5C001D-F85D-4D87-9DC7-FF3F2D4FED3F}" type="datetimeFigureOut">
               <a:rPr lang="en-US" smtClean="0"/>
-              <a:t>4/2/2023</a:t>
+              <a:t>4/6/2023</a:t>
             </a:fld>
             <a:endParaRPr lang="en-US"/>
           </a:p>
@@ -3869,7 +3877,7 @@
           <a:p>
             <a:fld id="{4F5C001D-F85D-4D87-9DC7-FF3F2D4FED3F}" type="datetimeFigureOut">
               <a:rPr lang="en-US" smtClean="0"/>
-              <a:t>4/2/2023</a:t>
+              <a:t>4/6/2023</a:t>
             </a:fld>
             <a:endParaRPr lang="en-US"/>
           </a:p>
@@ -4039,7 +4047,7 @@
           <a:p>
             <a:fld id="{4F5C001D-F85D-4D87-9DC7-FF3F2D4FED3F}" type="datetimeFigureOut">
               <a:rPr lang="en-US" smtClean="0"/>
-              <a:t>4/2/2023</a:t>
+              <a:t>4/6/2023</a:t>
             </a:fld>
             <a:endParaRPr lang="en-US"/>
           </a:p>
@@ -4286,7 +4294,7 @@
           <a:p>
             <a:fld id="{4F5C001D-F85D-4D87-9DC7-FF3F2D4FED3F}" type="datetimeFigureOut">
               <a:rPr lang="en-US" smtClean="0"/>
-              <a:t>4/2/2023</a:t>
+              <a:t>4/6/2023</a:t>
             </a:fld>
             <a:endParaRPr lang="en-US"/>
           </a:p>
@@ -4518,7 +4526,7 @@
           <a:p>
             <a:fld id="{4F5C001D-F85D-4D87-9DC7-FF3F2D4FED3F}" type="datetimeFigureOut">
               <a:rPr lang="en-US" smtClean="0"/>
-              <a:t>4/2/2023</a:t>
+              <a:t>4/6/2023</a:t>
             </a:fld>
             <a:endParaRPr lang="en-US"/>
           </a:p>
@@ -4892,7 +4900,7 @@
           <a:p>
             <a:fld id="{4F5C001D-F85D-4D87-9DC7-FF3F2D4FED3F}" type="datetimeFigureOut">
               <a:rPr lang="en-US" smtClean="0"/>
-              <a:t>4/2/2023</a:t>
+              <a:t>4/6/2023</a:t>
             </a:fld>
             <a:endParaRPr lang="en-US"/>
           </a:p>
@@ -5015,7 +5023,7 @@
           <a:p>
             <a:fld id="{4F5C001D-F85D-4D87-9DC7-FF3F2D4FED3F}" type="datetimeFigureOut">
               <a:rPr lang="en-US" smtClean="0"/>
-              <a:t>4/2/2023</a:t>
+              <a:t>4/6/2023</a:t>
             </a:fld>
             <a:endParaRPr lang="en-US"/>
           </a:p>
@@ -5110,7 +5118,7 @@
           <a:p>
             <a:fld id="{4F5C001D-F85D-4D87-9DC7-FF3F2D4FED3F}" type="datetimeFigureOut">
               <a:rPr lang="en-US" smtClean="0"/>
-              <a:t>4/2/2023</a:t>
+              <a:t>4/6/2023</a:t>
             </a:fld>
             <a:endParaRPr lang="en-US"/>
           </a:p>
@@ -5365,7 +5373,7 @@
           <a:p>
             <a:fld id="{4F5C001D-F85D-4D87-9DC7-FF3F2D4FED3F}" type="datetimeFigureOut">
               <a:rPr lang="en-US" smtClean="0"/>
-              <a:t>4/2/2023</a:t>
+              <a:t>4/6/2023</a:t>
             </a:fld>
             <a:endParaRPr lang="en-US"/>
           </a:p>
@@ -5670,7 +5678,7 @@
           <a:p>
             <a:fld id="{4F5C001D-F85D-4D87-9DC7-FF3F2D4FED3F}" type="datetimeFigureOut">
               <a:rPr lang="en-US" smtClean="0"/>
-              <a:t>4/2/2023</a:t>
+              <a:t>4/6/2023</a:t>
             </a:fld>
             <a:endParaRPr lang="en-US"/>
           </a:p>
@@ -6372,7 +6380,7 @@
           <a:p>
             <a:fld id="{4F5C001D-F85D-4D87-9DC7-FF3F2D4FED3F}" type="datetimeFigureOut">
               <a:rPr lang="en-US" smtClean="0"/>
-              <a:t>4/2/2023</a:t>
+              <a:t>4/6/2023</a:t>
             </a:fld>
             <a:endParaRPr lang="en-US"/>
           </a:p>
@@ -8206,10 +8214,10 @@
       </p:sp>
       <p:pic>
         <p:nvPicPr>
-          <p:cNvPr id="7" name="Content Placeholder 6">
+          <p:cNvPr id="6" name="Content Placeholder 5">
             <a:extLst>
               <a:ext uri="{FF2B5EF4-FFF2-40B4-BE49-F238E27FC236}">
-                <a16:creationId xmlns:a16="http://schemas.microsoft.com/office/drawing/2014/main" id="{A8FF739C-77A0-2B04-A1A0-403298AED5FE}"/>
+                <a16:creationId xmlns:a16="http://schemas.microsoft.com/office/drawing/2014/main" id="{6E8EE415-2208-165C-F164-49701E8E5AF7}"/>
               </a:ext>
             </a:extLst>
           </p:cNvPr>
@@ -8222,13 +8230,13 @@
         </p:nvPicPr>
         <p:blipFill rotWithShape="1">
           <a:blip r:embed="rId2"/>
-          <a:srcRect t="1125" b="1055"/>
+          <a:srcRect l="137" t="1338" b="912"/>
           <a:stretch/>
         </p:blipFill>
         <p:spPr>
           <a:xfrm>
-            <a:off x="1730835" y="1270000"/>
-            <a:ext cx="8730329" cy="5569650"/>
+            <a:off x="1698141" y="1243116"/>
+            <a:ext cx="8795718" cy="5614884"/>
           </a:xfrm>
         </p:spPr>
       </p:pic>
